--- a/material/19_CSharp_WPF (외부 라이브러리).pptx
+++ b/material/19_CSharp_WPF (외부 라이브러리).pptx
@@ -24,29 +24,29 @@
   <p:notesSz cx="6858000" cy="9144000"/>
   <p:embeddedFontLst>
     <p:embeddedFont>
-      <p:font typeface="Pretendard" panose="020B0600000101010101" charset="-127"/>
-      <p:regular r:id="rId14"/>
-      <p:bold r:id="rId15"/>
+      <p:font typeface="Pretendard Black" panose="02000A03000000020004" pitchFamily="2" charset="-127"/>
+      <p:bold r:id="rId14"/>
     </p:embeddedFont>
     <p:embeddedFont>
-      <p:font typeface="Pretendard Black" panose="020B0600000101010101" charset="-127"/>
+      <p:font typeface="Pretendard" panose="02000503000000020004" pitchFamily="2" charset="-127"/>
+      <p:regular r:id="rId15"/>
       <p:bold r:id="rId16"/>
     </p:embeddedFont>
     <p:embeddedFont>
-      <p:font typeface="Pretendard GOV Black" panose="02000A03000000020004" pitchFamily="2" charset="-127"/>
+      <p:font typeface="Pretendard GOV Black" panose="020B0600000101010101" charset="-127"/>
       <p:bold r:id="rId17"/>
     </p:embeddedFont>
     <p:embeddedFont>
-      <p:font typeface="Pretendard GOV ExtraBold" panose="02000903000000020004" pitchFamily="2" charset="-127"/>
-      <p:bold r:id="rId18"/>
+      <p:font typeface="맑은 고딕" panose="020B0503020000020004" pitchFamily="50" charset="-127"/>
+      <p:regular r:id="rId18"/>
+      <p:bold r:id="rId19"/>
     </p:embeddedFont>
     <p:embeddedFont>
-      <p:font typeface="Pretendard GOV" panose="02000503000000020004" pitchFamily="2" charset="-127"/>
-      <p:regular r:id="rId19"/>
+      <p:font typeface="Pretendard GOV ExtraBold" panose="020B0600000101010101" charset="-127"/>
       <p:bold r:id="rId20"/>
     </p:embeddedFont>
     <p:embeddedFont>
-      <p:font typeface="맑은 고딕" panose="020B0503020000020004" pitchFamily="50" charset="-127"/>
+      <p:font typeface="Pretendard GOV" panose="020B0600000101010101" charset="-127"/>
       <p:regular r:id="rId21"/>
       <p:bold r:id="rId22"/>
     </p:embeddedFont>
@@ -239,7 +239,7 @@
           <a:p>
             <a:fld id="{2EF3F159-7250-4DD4-91C2-13B35D56E1AF}" type="datetimeFigureOut">
               <a:rPr lang="ko-KR" altLang="en-US" smtClean="0"/>
-              <a:t>2025-05-26</a:t>
+              <a:t>2025-06-08</a:t>
             </a:fld>
             <a:endParaRPr lang="ko-KR" altLang="en-US"/>
           </a:p>
@@ -745,159 +745,6 @@
           <a:bodyPr/>
           <a:lstStyle/>
           <a:p>
-            <a:r>
-              <a:rPr lang="en-US" altLang="ko-KR" dirty="0"/>
-              <a:t>.NET</a:t>
-            </a:r>
-            <a:r>
-              <a:rPr lang="ko-KR" altLang="en-US" dirty="0"/>
-              <a:t>에서 사용하는 패키지 관리 도구</a:t>
-            </a:r>
-            <a:endParaRPr lang="en-US" altLang="ko-KR" dirty="0"/>
-          </a:p>
-          <a:p>
-            <a:r>
-              <a:rPr lang="ko-KR" altLang="en-US" dirty="0"/>
-              <a:t>다른 사람들이 만들어 놓은 라이브러리를 편하게 다운 받고 사용할 수 있게 해주는 앱스토어 같은 역할</a:t>
-            </a:r>
-            <a:endParaRPr lang="en-US" altLang="ko-KR" dirty="0"/>
-          </a:p>
-          <a:p>
-            <a:endParaRPr lang="en-US" altLang="ko-KR" dirty="0"/>
-          </a:p>
-          <a:p>
-            <a:r>
-              <a:rPr lang="en-US" altLang="ko-KR" dirty="0"/>
-              <a:t>.</a:t>
-            </a:r>
-            <a:r>
-              <a:rPr lang="en-US" altLang="ko-KR" dirty="0" err="1"/>
-              <a:t>nupkg</a:t>
-            </a:r>
-            <a:r>
-              <a:rPr lang="en-US" altLang="ko-KR" baseline="0" dirty="0"/>
-              <a:t> </a:t>
-            </a:r>
-            <a:r>
-              <a:rPr lang="ko-KR" altLang="en-US" baseline="0" dirty="0"/>
-              <a:t>라는 </a:t>
-            </a:r>
-            <a:r>
-              <a:rPr lang="ko-KR" altLang="en-US" baseline="0" dirty="0" err="1"/>
-              <a:t>확장자를</a:t>
-            </a:r>
-            <a:r>
-              <a:rPr lang="ko-KR" altLang="en-US" baseline="0" dirty="0"/>
-              <a:t> 가짐</a:t>
-            </a:r>
-            <a:r>
-              <a:rPr lang="en-US" altLang="ko-KR" baseline="0" dirty="0"/>
-              <a:t>. </a:t>
-            </a:r>
-            <a:r>
-              <a:rPr lang="ko-KR" altLang="en-US" baseline="0" dirty="0"/>
-              <a:t>실제로 </a:t>
-            </a:r>
-            <a:r>
-              <a:rPr lang="en-US" altLang="ko-KR" baseline="0" dirty="0"/>
-              <a:t>zip </a:t>
-            </a:r>
-            <a:r>
-              <a:rPr lang="ko-KR" altLang="en-US" baseline="0" dirty="0"/>
-              <a:t>압축 파일</a:t>
-            </a:r>
-            <a:endParaRPr lang="en-US" altLang="ko-KR" baseline="0" dirty="0"/>
-          </a:p>
-          <a:p>
-            <a:r>
-              <a:rPr lang="ko-KR" altLang="en-US" baseline="0" dirty="0"/>
-              <a:t>내부에는</a:t>
-            </a:r>
-            <a:endParaRPr lang="en-US" altLang="ko-KR" baseline="0" dirty="0"/>
-          </a:p>
-          <a:p>
-            <a:r>
-              <a:rPr lang="en-US" altLang="ko-KR" baseline="0" dirty="0"/>
-              <a:t>.</a:t>
-            </a:r>
-            <a:r>
-              <a:rPr lang="en-US" altLang="ko-KR" baseline="0" dirty="0" err="1"/>
-              <a:t>dll</a:t>
-            </a:r>
-            <a:r>
-              <a:rPr lang="en-US" altLang="ko-KR" baseline="0" dirty="0"/>
-              <a:t> </a:t>
-            </a:r>
-            <a:r>
-              <a:rPr lang="ko-KR" altLang="en-US" baseline="0" dirty="0"/>
-              <a:t>파일 </a:t>
-            </a:r>
-            <a:r>
-              <a:rPr lang="en-US" altLang="ko-KR" baseline="0" dirty="0"/>
-              <a:t>– </a:t>
-            </a:r>
-            <a:r>
-              <a:rPr lang="ko-KR" altLang="en-US" baseline="0" dirty="0"/>
-              <a:t>실제로 우리가 사용하는 라이브러리 </a:t>
-            </a:r>
-            <a:r>
-              <a:rPr lang="en-US" altLang="ko-KR" baseline="0" dirty="0"/>
-              <a:t>(</a:t>
-            </a:r>
-            <a:r>
-              <a:rPr lang="ko-KR" altLang="en-US" baseline="0" dirty="0" err="1"/>
-              <a:t>컴파일된</a:t>
-            </a:r>
-            <a:r>
-              <a:rPr lang="ko-KR" altLang="en-US" baseline="0" dirty="0"/>
-              <a:t> 코드</a:t>
-            </a:r>
-            <a:r>
-              <a:rPr lang="en-US" altLang="ko-KR" baseline="0" dirty="0"/>
-              <a:t>)</a:t>
-            </a:r>
-          </a:p>
-          <a:p>
-            <a:r>
-              <a:rPr lang="en-US" altLang="ko-KR" baseline="0" dirty="0"/>
-              <a:t>.</a:t>
-            </a:r>
-            <a:r>
-              <a:rPr lang="en-US" altLang="ko-KR" baseline="0" dirty="0" err="1"/>
-              <a:t>nuspec</a:t>
-            </a:r>
-            <a:r>
-              <a:rPr lang="en-US" altLang="ko-KR" baseline="0" dirty="0"/>
-              <a:t> </a:t>
-            </a:r>
-            <a:r>
-              <a:rPr lang="ko-KR" altLang="en-US" baseline="0" dirty="0"/>
-              <a:t>파일 </a:t>
-            </a:r>
-            <a:r>
-              <a:rPr lang="en-US" altLang="ko-KR" baseline="0" dirty="0"/>
-              <a:t>– </a:t>
-            </a:r>
-            <a:r>
-              <a:rPr lang="ko-KR" altLang="en-US" baseline="0" dirty="0"/>
-              <a:t>이 패키지의 이름</a:t>
-            </a:r>
-            <a:r>
-              <a:rPr lang="en-US" altLang="ko-KR" baseline="0" dirty="0"/>
-              <a:t>, </a:t>
-            </a:r>
-            <a:r>
-              <a:rPr lang="ko-KR" altLang="en-US" baseline="0" dirty="0"/>
-              <a:t>버전</a:t>
-            </a:r>
-            <a:r>
-              <a:rPr lang="en-US" altLang="ko-KR" baseline="0" dirty="0"/>
-              <a:t>, </a:t>
-            </a:r>
-            <a:r>
-              <a:rPr lang="ko-KR" altLang="en-US" baseline="0" dirty="0"/>
-              <a:t>설명 등을 정의한 메타데이터</a:t>
-            </a:r>
             <a:endParaRPr lang="ko-KR" altLang="en-US" dirty="0"/>
           </a:p>
         </p:txBody>
@@ -982,158 +829,6 @@
           <a:bodyPr/>
           <a:lstStyle/>
           <a:p>
-            <a:r>
-              <a:rPr lang="en-US" altLang="ko-KR" dirty="0"/>
-              <a:t>C#</a:t>
-            </a:r>
-            <a:r>
-              <a:rPr lang="ko-KR" altLang="en-US" baseline="0" dirty="0"/>
-              <a:t> 환경에서 사용할 수 있는 오픈 소스 차트 그리기 라이브러리</a:t>
-            </a:r>
-            <a:endParaRPr lang="en-US" altLang="ko-KR" baseline="0" dirty="0"/>
-          </a:p>
-          <a:p>
-            <a:r>
-              <a:rPr lang="en-US" altLang="ko-KR" baseline="0" dirty="0"/>
-              <a:t>When?</a:t>
-            </a:r>
-          </a:p>
-          <a:p>
-            <a:pPr marL="171450" indent="-171450">
-              <a:buFontTx/>
-              <a:buChar char="-"/>
-            </a:pPr>
-            <a:r>
-              <a:rPr lang="ko-KR" altLang="en-US" baseline="0" dirty="0"/>
-              <a:t>센서 데이터 시각화 </a:t>
-            </a:r>
-            <a:r>
-              <a:rPr lang="en-US" altLang="ko-KR" baseline="0" dirty="0"/>
-              <a:t>(</a:t>
-            </a:r>
-            <a:r>
-              <a:rPr lang="ko-KR" altLang="en-US" baseline="0" dirty="0"/>
-              <a:t>온도</a:t>
-            </a:r>
-            <a:r>
-              <a:rPr lang="en-US" altLang="ko-KR" baseline="0" dirty="0"/>
-              <a:t>, </a:t>
-            </a:r>
-            <a:r>
-              <a:rPr lang="ko-KR" altLang="en-US" baseline="0" dirty="0"/>
-              <a:t>습도</a:t>
-            </a:r>
-            <a:r>
-              <a:rPr lang="en-US" altLang="ko-KR" baseline="0" dirty="0"/>
-              <a:t> </a:t>
-            </a:r>
-            <a:r>
-              <a:rPr lang="ko-KR" altLang="en-US" baseline="0" dirty="0"/>
-              <a:t>등</a:t>
-            </a:r>
-            <a:r>
-              <a:rPr lang="en-US" altLang="ko-KR" baseline="0" dirty="0"/>
-              <a:t>)</a:t>
-            </a:r>
-          </a:p>
-          <a:p>
-            <a:pPr marL="171450" indent="-171450">
-              <a:buFontTx/>
-              <a:buChar char="-"/>
-            </a:pPr>
-            <a:r>
-              <a:rPr lang="ko-KR" altLang="en-US" baseline="0" dirty="0"/>
-              <a:t>주식 차트 만들기</a:t>
-            </a:r>
-            <a:endParaRPr lang="en-US" altLang="ko-KR" baseline="0" dirty="0"/>
-          </a:p>
-          <a:p>
-            <a:pPr marL="171450" indent="-171450">
-              <a:buFontTx/>
-              <a:buChar char="-"/>
-            </a:pPr>
-            <a:r>
-              <a:rPr lang="ko-KR" altLang="en-US" baseline="0" dirty="0"/>
-              <a:t>통계 그래프</a:t>
-            </a:r>
-            <a:endParaRPr lang="en-US" altLang="ko-KR" baseline="0" dirty="0"/>
-          </a:p>
-          <a:p>
-            <a:pPr marL="171450" indent="-171450">
-              <a:buFontTx/>
-              <a:buChar char="-"/>
-            </a:pPr>
-            <a:r>
-              <a:rPr lang="ko-KR" altLang="en-US" dirty="0"/>
-              <a:t>스마트 </a:t>
-            </a:r>
-            <a:r>
-              <a:rPr lang="ko-KR" altLang="en-US" dirty="0" err="1"/>
-              <a:t>팩토리</a:t>
-            </a:r>
-            <a:r>
-              <a:rPr lang="ko-KR" altLang="en-US" dirty="0"/>
-              <a:t> 프로젝트에서 실시간 모니터링 </a:t>
-            </a:r>
-            <a:r>
-              <a:rPr lang="en-US" altLang="ko-KR" dirty="0"/>
-              <a:t>UI </a:t>
-            </a:r>
-            <a:r>
-              <a:rPr lang="ko-KR" altLang="en-US" dirty="0"/>
-              <a:t>만들 때 사용하기 아주 적합</a:t>
-            </a:r>
-            <a:endParaRPr lang="en-US" altLang="ko-KR" dirty="0"/>
-          </a:p>
-          <a:p>
-            <a:pPr marL="171450" indent="-171450">
-              <a:buFontTx/>
-              <a:buChar char="-"/>
-            </a:pPr>
-            <a:endParaRPr lang="en-US" altLang="ko-KR" baseline="0" dirty="0"/>
-          </a:p>
-          <a:p>
-            <a:r>
-              <a:rPr lang="en-US" altLang="ko-KR" dirty="0" err="1"/>
-              <a:t>ScottPlot</a:t>
-            </a:r>
-            <a:r>
-              <a:rPr lang="en-US" altLang="ko-KR" dirty="0"/>
-              <a:t> Cookbook</a:t>
-            </a:r>
-            <a:r>
-              <a:rPr lang="ko-KR" altLang="en-US" dirty="0"/>
-              <a:t>이란</a:t>
-            </a:r>
-            <a:r>
-              <a:rPr lang="en-US" altLang="ko-KR" dirty="0"/>
-              <a:t>?</a:t>
-            </a:r>
-          </a:p>
-          <a:p>
-            <a:r>
-              <a:rPr lang="en-US" altLang="ko-KR" dirty="0" err="1"/>
-              <a:t>ScottPlot</a:t>
-            </a:r>
-            <a:r>
-              <a:rPr lang="en-US" altLang="ko-KR" dirty="0"/>
-              <a:t> </a:t>
-            </a:r>
-            <a:r>
-              <a:rPr lang="ko-KR" altLang="en-US" dirty="0"/>
-              <a:t>기능을 빠르게 익히고 싶은 개발자들을 위한 “기능별 실습 예제 </a:t>
-            </a:r>
-            <a:r>
-              <a:rPr lang="ko-KR" altLang="en-US" dirty="0" err="1"/>
-              <a:t>백과사전”입니다</a:t>
-            </a:r>
-            <a:r>
-              <a:rPr lang="en-US" altLang="ko-KR" dirty="0"/>
-              <a:t>.</a:t>
-            </a:r>
-            <a:endParaRPr lang="ko-KR" altLang="en-US" dirty="0"/>
-          </a:p>
-          <a:p>
             <a:pPr marL="171450" indent="-171450">
               <a:buFontTx/>
               <a:buChar char="-"/>
@@ -1222,44 +917,6 @@
           <a:bodyPr/>
           <a:lstStyle/>
           <a:p>
-            <a:r>
-              <a:rPr lang="en-US" altLang="ko-KR" dirty="0" err="1"/>
-              <a:t>ScottPlot</a:t>
-            </a:r>
-            <a:r>
-              <a:rPr lang="en-US" altLang="ko-KR" dirty="0"/>
-              <a:t> Cookbook</a:t>
-            </a:r>
-            <a:r>
-              <a:rPr lang="ko-KR" altLang="en-US" dirty="0"/>
-              <a:t>이란</a:t>
-            </a:r>
-            <a:r>
-              <a:rPr lang="en-US" altLang="ko-KR" dirty="0"/>
-              <a:t>?</a:t>
-            </a:r>
-          </a:p>
-          <a:p>
-            <a:r>
-              <a:rPr lang="en-US" altLang="ko-KR" dirty="0" err="1"/>
-              <a:t>ScottPlot</a:t>
-            </a:r>
-            <a:r>
-              <a:rPr lang="en-US" altLang="ko-KR" dirty="0"/>
-              <a:t> </a:t>
-            </a:r>
-            <a:r>
-              <a:rPr lang="ko-KR" altLang="en-US" dirty="0"/>
-              <a:t>기능을 빠르게 익히고 싶은 개발자들을 위한 “기능별 실습 예제 </a:t>
-            </a:r>
-            <a:r>
-              <a:rPr lang="ko-KR" altLang="en-US" dirty="0" err="1"/>
-              <a:t>백과사전”입니다</a:t>
-            </a:r>
-            <a:r>
-              <a:rPr lang="en-US" altLang="ko-KR" dirty="0"/>
-              <a:t>.</a:t>
-            </a:r>
             <a:endParaRPr lang="ko-KR" altLang="en-US" dirty="0"/>
           </a:p>
         </p:txBody>
@@ -1441,7 +1098,7 @@
           <a:p>
             <a:fld id="{442BEE3F-2E9A-4FD8-8B8A-8619F3E161C0}" type="datetime1">
               <a:rPr lang="ko-KR" altLang="en-US" smtClean="0"/>
-              <a:t>2025-05-26</a:t>
+              <a:t>2025-06-08</a:t>
             </a:fld>
             <a:endParaRPr lang="ko-KR" altLang="en-US"/>
           </a:p>
@@ -1627,7 +1284,7 @@
           <a:p>
             <a:fld id="{2EAE422B-0E68-47B5-84BB-CA2BDA8EE46C}" type="datetime1">
               <a:rPr lang="ko-KR" altLang="en-US" smtClean="0"/>
-              <a:t>2025-05-26</a:t>
+              <a:t>2025-06-08</a:t>
             </a:fld>
             <a:endParaRPr lang="ko-KR" altLang="en-US"/>
           </a:p>
@@ -1835,7 +1492,7 @@
           <a:p>
             <a:fld id="{AF7C623F-179B-417F-99B6-50F6DF228D4B}" type="datetime1">
               <a:rPr lang="ko-KR" altLang="en-US" smtClean="0"/>
-              <a:t>2025-05-26</a:t>
+              <a:t>2025-06-08</a:t>
             </a:fld>
             <a:endParaRPr lang="ko-KR" altLang="en-US"/>
           </a:p>
@@ -2077,7 +1734,7 @@
           <a:p>
             <a:fld id="{0F78D9C4-20C1-4B15-A116-16DC77AD9A1E}" type="datetime1">
               <a:rPr lang="ko-KR" altLang="en-US" smtClean="0"/>
-              <a:t>2025-05-26</a:t>
+              <a:t>2025-06-08</a:t>
             </a:fld>
             <a:endParaRPr lang="ko-KR" altLang="en-US"/>
           </a:p>
@@ -2352,7 +2009,7 @@
           <a:p>
             <a:fld id="{C7F43723-C509-4DEA-8428-B50818F79709}" type="datetime1">
               <a:rPr lang="ko-KR" altLang="en-US" smtClean="0"/>
-              <a:t>2025-05-26</a:t>
+              <a:t>2025-06-08</a:t>
             </a:fld>
             <a:endParaRPr lang="ko-KR" altLang="en-US"/>
           </a:p>
@@ -2617,7 +2274,7 @@
           <a:p>
             <a:fld id="{5D2B7482-EE74-4DBD-97F4-D0DAC0C0E4E5}" type="datetime1">
               <a:rPr lang="ko-KR" altLang="en-US" smtClean="0"/>
-              <a:t>2025-05-26</a:t>
+              <a:t>2025-06-08</a:t>
             </a:fld>
             <a:endParaRPr lang="ko-KR" altLang="en-US"/>
           </a:p>
@@ -3030,7 +2687,7 @@
           <a:p>
             <a:fld id="{051A8C49-CED7-4A86-9B4A-621D7F62EE92}" type="datetime1">
               <a:rPr lang="ko-KR" altLang="en-US" smtClean="0"/>
-              <a:t>2025-05-26</a:t>
+              <a:t>2025-06-08</a:t>
             </a:fld>
             <a:endParaRPr lang="ko-KR" altLang="en-US"/>
           </a:p>
@@ -3177,7 +2834,7 @@
           <a:p>
             <a:fld id="{84082D76-7079-412D-848B-E1B9E7A6A286}" type="datetime1">
               <a:rPr lang="ko-KR" altLang="en-US" smtClean="0"/>
-              <a:t>2025-05-26</a:t>
+              <a:t>2025-06-08</a:t>
             </a:fld>
             <a:endParaRPr lang="ko-KR" altLang="en-US"/>
           </a:p>
@@ -3290,7 +2947,7 @@
           <a:p>
             <a:fld id="{10C5FEB5-5F88-4F49-9108-1795E314F09F}" type="datetime1">
               <a:rPr lang="ko-KR" altLang="en-US" smtClean="0"/>
-              <a:t>2025-05-26</a:t>
+              <a:t>2025-06-08</a:t>
             </a:fld>
             <a:endParaRPr lang="ko-KR" altLang="en-US"/>
           </a:p>
@@ -3601,7 +3258,7 @@
           <a:p>
             <a:fld id="{E37ABBEE-D8D4-48AD-9887-4DC578B8A684}" type="datetime1">
               <a:rPr lang="ko-KR" altLang="en-US" smtClean="0"/>
-              <a:t>2025-05-26</a:t>
+              <a:t>2025-06-08</a:t>
             </a:fld>
             <a:endParaRPr lang="ko-KR" altLang="en-US"/>
           </a:p>
@@ -3892,7 +3549,7 @@
           <a:p>
             <a:fld id="{A2D6A55C-F3DD-45DD-9D50-F8680410167D}" type="datetime1">
               <a:rPr lang="ko-KR" altLang="en-US" smtClean="0"/>
-              <a:t>2025-05-26</a:t>
+              <a:t>2025-06-08</a:t>
             </a:fld>
             <a:endParaRPr lang="ko-KR" altLang="en-US"/>
           </a:p>
@@ -4136,7 +3793,7 @@
             <a:fld id="{7F5E23C3-0E3D-4E4E-8486-D7FB4C073DC1}" type="datetime1">
               <a:rPr lang="ko-KR" altLang="en-US" smtClean="0"/>
               <a:pPr/>
-              <a:t>2025-05-26</a:t>
+              <a:t>2025-06-08</a:t>
             </a:fld>
             <a:endParaRPr lang="ko-KR" altLang="en-US" dirty="0"/>
           </a:p>
@@ -4664,7 +4321,7 @@
           <a:p>
             <a:fld id="{2E2BEDFA-D8AA-4914-9440-7DF713C99FA9}" type="datetime1">
               <a:rPr lang="ko-KR" altLang="en-US" smtClean="0"/>
-              <a:t>2025-05-26</a:t>
+              <a:t>2025-06-08</a:t>
             </a:fld>
             <a:endParaRPr lang="ko-KR" altLang="en-US"/>
           </a:p>
@@ -4948,6 +4605,10 @@
               </a:rPr>
               <a:t>https://scottplot.net/cookbook/5.0/MultiAxis/</a:t>
             </a:r>
+            <a:r>
+              <a:rPr lang="en-US" altLang="ko-KR" dirty="0"/>
+              <a:t/>
+            </a:r>
             <a:br>
               <a:rPr lang="en-US" altLang="ko-KR" dirty="0"/>
             </a:br>
@@ -4978,7 +4639,7 @@
           <a:p>
             <a:fld id="{0F78D9C4-20C1-4B15-A116-16DC77AD9A1E}" type="datetime1">
               <a:rPr lang="ko-KR" altLang="en-US" smtClean="0"/>
-              <a:t>2025-05-26</a:t>
+              <a:t>2025-06-08</a:t>
             </a:fld>
             <a:endParaRPr lang="ko-KR" altLang="en-US"/>
           </a:p>
@@ -5023,6 +4684,14 @@
   <p:clrMapOvr>
     <a:masterClrMapping/>
   </p:clrMapOvr>
+  <mc:AlternateContent xmlns:mc="http://schemas.openxmlformats.org/markup-compatibility/2006">
+    <mc:Choice xmlns:p14="http://schemas.microsoft.com/office/powerpoint/2010/main" Requires="p14">
+      <p:transition spd="slow" p14:dur="2000"/>
+    </mc:Choice>
+    <mc:Fallback>
+      <p:transition spd="slow"/>
+    </mc:Fallback>
+  </mc:AlternateContent>
 </p:sld>
 </file>
 
@@ -5189,6 +4858,10 @@
               <a:rPr lang="ko-KR" altLang="en-US" dirty="0"/>
               <a:t>을 띄우는 기능</a:t>
             </a:r>
+            <a:r>
+              <a:rPr lang="en-US" altLang="ko-KR" dirty="0"/>
+              <a:t/>
+            </a:r>
             <a:br>
               <a:rPr lang="en-US" altLang="ko-KR" dirty="0"/>
             </a:br>
@@ -5237,7 +4910,7 @@
           <a:p>
             <a:fld id="{0F78D9C4-20C1-4B15-A116-16DC77AD9A1E}" type="datetime1">
               <a:rPr lang="ko-KR" altLang="en-US" smtClean="0"/>
-              <a:t>2025-05-26</a:t>
+              <a:t>2025-06-08</a:t>
             </a:fld>
             <a:endParaRPr lang="ko-KR" altLang="en-US"/>
           </a:p>
@@ -5282,6 +4955,14 @@
   <p:clrMapOvr>
     <a:masterClrMapping/>
   </p:clrMapOvr>
+  <mc:AlternateContent xmlns:mc="http://schemas.openxmlformats.org/markup-compatibility/2006">
+    <mc:Choice xmlns:p14="http://schemas.microsoft.com/office/powerpoint/2010/main" Requires="p14">
+      <p:transition spd="slow" p14:dur="2000"/>
+    </mc:Choice>
+    <mc:Fallback>
+      <p:transition spd="slow"/>
+    </mc:Fallback>
+  </mc:AlternateContent>
 </p:sld>
 </file>
 
@@ -5381,7 +5062,7 @@
           <a:p>
             <a:fld id="{2E2BEDFA-D8AA-4914-9440-7DF713C99FA9}" type="datetime1">
               <a:rPr lang="ko-KR" altLang="en-US" smtClean="0"/>
-              <a:t>2025-05-26</a:t>
+              <a:t>2025-06-08</a:t>
             </a:fld>
             <a:endParaRPr lang="ko-KR" altLang="en-US"/>
           </a:p>
@@ -5627,7 +5308,7 @@
           <a:p>
             <a:fld id="{0F78D9C4-20C1-4B15-A116-16DC77AD9A1E}" type="datetime1">
               <a:rPr lang="ko-KR" altLang="en-US" smtClean="0"/>
-              <a:t>2025-05-26</a:t>
+              <a:t>2025-06-08</a:t>
             </a:fld>
             <a:endParaRPr lang="ko-KR" altLang="en-US"/>
           </a:p>
@@ -5927,7 +5608,7 @@
           <a:p>
             <a:fld id="{0F78D9C4-20C1-4B15-A116-16DC77AD9A1E}" type="datetime1">
               <a:rPr lang="ko-KR" altLang="en-US" smtClean="0"/>
-              <a:t>2025-05-26</a:t>
+              <a:t>2025-06-08</a:t>
             </a:fld>
             <a:endParaRPr lang="ko-KR" altLang="en-US"/>
           </a:p>
@@ -6139,7 +5820,7 @@
           <a:p>
             <a:fld id="{0F78D9C4-20C1-4B15-A116-16DC77AD9A1E}" type="datetime1">
               <a:rPr lang="ko-KR" altLang="en-US" smtClean="0"/>
-              <a:t>2025-05-26</a:t>
+              <a:t>2025-06-08</a:t>
             </a:fld>
             <a:endParaRPr lang="ko-KR" altLang="en-US"/>
           </a:p>
@@ -6330,7 +6011,7 @@
           <a:p>
             <a:fld id="{0F78D9C4-20C1-4B15-A116-16DC77AD9A1E}" type="datetime1">
               <a:rPr lang="ko-KR" altLang="en-US" smtClean="0"/>
-              <a:t>2025-05-26</a:t>
+              <a:t>2025-06-08</a:t>
             </a:fld>
             <a:endParaRPr lang="ko-KR" altLang="en-US"/>
           </a:p>
@@ -6553,7 +6234,7 @@
           <a:p>
             <a:fld id="{0F78D9C4-20C1-4B15-A116-16DC77AD9A1E}" type="datetime1">
               <a:rPr lang="ko-KR" altLang="en-US" smtClean="0"/>
-              <a:t>2025-05-26</a:t>
+              <a:t>2025-06-08</a:t>
             </a:fld>
             <a:endParaRPr lang="ko-KR" altLang="en-US"/>
           </a:p>
@@ -6859,7 +6540,7 @@
           <a:p>
             <a:fld id="{0F78D9C4-20C1-4B15-A116-16DC77AD9A1E}" type="datetime1">
               <a:rPr lang="ko-KR" altLang="en-US" smtClean="0"/>
-              <a:t>2025-05-26</a:t>
+              <a:t>2025-06-08</a:t>
             </a:fld>
             <a:endParaRPr lang="ko-KR" altLang="en-US"/>
           </a:p>
@@ -7046,7 +6727,7 @@
           <a:p>
             <a:fld id="{0F78D9C4-20C1-4B15-A116-16DC77AD9A1E}" type="datetime1">
               <a:rPr lang="ko-KR" altLang="en-US" smtClean="0"/>
-              <a:t>2025-05-26</a:t>
+              <a:t>2025-06-08</a:t>
             </a:fld>
             <a:endParaRPr lang="ko-KR" altLang="en-US"/>
           </a:p>
